--- a/literature_notes/lightweighted.pptx
+++ b/literature_notes/lightweighted.pptx
@@ -115,6 +115,11 @@
       </a:defRPr>
     </a:lvl9pPr>
   </p:defaultTextStyle>
+  <p:extLst>
+    <p:ext uri="{EFAFB233-063F-42B5-8137-9DF3F51BA10A}">
+      <p15:sldGuideLst xmlns:p15="http://schemas.microsoft.com/office/powerpoint/2012/main"/>
+    </p:ext>
+  </p:extLst>
 </p:presentation>
 </file>
 
@@ -265,7 +270,7 @@
           <a:p>
             <a:fld id="{D61B501D-597C-43AB-805B-A17F331558E7}" type="datetimeFigureOut">
               <a:rPr lang="zh-CN" altLang="en-US" smtClean="0"/>
-              <a:t>2023/4/21</a:t>
+              <a:t>2023/7/19</a:t>
             </a:fld>
             <a:endParaRPr lang="zh-CN" altLang="en-US"/>
           </a:p>
@@ -463,7 +468,7 @@
           <a:p>
             <a:fld id="{D61B501D-597C-43AB-805B-A17F331558E7}" type="datetimeFigureOut">
               <a:rPr lang="zh-CN" altLang="en-US" smtClean="0"/>
-              <a:t>2023/4/21</a:t>
+              <a:t>2023/7/19</a:t>
             </a:fld>
             <a:endParaRPr lang="zh-CN" altLang="en-US"/>
           </a:p>
@@ -671,7 +676,7 @@
           <a:p>
             <a:fld id="{D61B501D-597C-43AB-805B-A17F331558E7}" type="datetimeFigureOut">
               <a:rPr lang="zh-CN" altLang="en-US" smtClean="0"/>
-              <a:t>2023/4/21</a:t>
+              <a:t>2023/7/19</a:t>
             </a:fld>
             <a:endParaRPr lang="zh-CN" altLang="en-US"/>
           </a:p>
@@ -869,7 +874,7 @@
           <a:p>
             <a:fld id="{D61B501D-597C-43AB-805B-A17F331558E7}" type="datetimeFigureOut">
               <a:rPr lang="zh-CN" altLang="en-US" smtClean="0"/>
-              <a:t>2023/4/21</a:t>
+              <a:t>2023/7/19</a:t>
             </a:fld>
             <a:endParaRPr lang="zh-CN" altLang="en-US"/>
           </a:p>
@@ -1144,7 +1149,7 @@
           <a:p>
             <a:fld id="{D61B501D-597C-43AB-805B-A17F331558E7}" type="datetimeFigureOut">
               <a:rPr lang="zh-CN" altLang="en-US" smtClean="0"/>
-              <a:t>2023/4/21</a:t>
+              <a:t>2023/7/19</a:t>
             </a:fld>
             <a:endParaRPr lang="zh-CN" altLang="en-US"/>
           </a:p>
@@ -1409,7 +1414,7 @@
           <a:p>
             <a:fld id="{D61B501D-597C-43AB-805B-A17F331558E7}" type="datetimeFigureOut">
               <a:rPr lang="zh-CN" altLang="en-US" smtClean="0"/>
-              <a:t>2023/4/21</a:t>
+              <a:t>2023/7/19</a:t>
             </a:fld>
             <a:endParaRPr lang="zh-CN" altLang="en-US"/>
           </a:p>
@@ -1821,7 +1826,7 @@
           <a:p>
             <a:fld id="{D61B501D-597C-43AB-805B-A17F331558E7}" type="datetimeFigureOut">
               <a:rPr lang="zh-CN" altLang="en-US" smtClean="0"/>
-              <a:t>2023/4/21</a:t>
+              <a:t>2023/7/19</a:t>
             </a:fld>
             <a:endParaRPr lang="zh-CN" altLang="en-US"/>
           </a:p>
@@ -1962,7 +1967,7 @@
           <a:p>
             <a:fld id="{D61B501D-597C-43AB-805B-A17F331558E7}" type="datetimeFigureOut">
               <a:rPr lang="zh-CN" altLang="en-US" smtClean="0"/>
-              <a:t>2023/4/21</a:t>
+              <a:t>2023/7/19</a:t>
             </a:fld>
             <a:endParaRPr lang="zh-CN" altLang="en-US"/>
           </a:p>
@@ -2075,7 +2080,7 @@
           <a:p>
             <a:fld id="{D61B501D-597C-43AB-805B-A17F331558E7}" type="datetimeFigureOut">
               <a:rPr lang="zh-CN" altLang="en-US" smtClean="0"/>
-              <a:t>2023/4/21</a:t>
+              <a:t>2023/7/19</a:t>
             </a:fld>
             <a:endParaRPr lang="zh-CN" altLang="en-US"/>
           </a:p>
@@ -2386,7 +2391,7 @@
           <a:p>
             <a:fld id="{D61B501D-597C-43AB-805B-A17F331558E7}" type="datetimeFigureOut">
               <a:rPr lang="zh-CN" altLang="en-US" smtClean="0"/>
-              <a:t>2023/4/21</a:t>
+              <a:t>2023/7/19</a:t>
             </a:fld>
             <a:endParaRPr lang="zh-CN" altLang="en-US"/>
           </a:p>
@@ -2674,7 +2679,7 @@
           <a:p>
             <a:fld id="{D61B501D-597C-43AB-805B-A17F331558E7}" type="datetimeFigureOut">
               <a:rPr lang="zh-CN" altLang="en-US" smtClean="0"/>
-              <a:t>2023/4/21</a:t>
+              <a:t>2023/7/19</a:t>
             </a:fld>
             <a:endParaRPr lang="zh-CN" altLang="en-US"/>
           </a:p>
@@ -2915,7 +2920,7 @@
           <a:p>
             <a:fld id="{D61B501D-597C-43AB-805B-A17F331558E7}" type="datetimeFigureOut">
               <a:rPr lang="zh-CN" altLang="en-US" smtClean="0"/>
-              <a:t>2023/4/21</a:t>
+              <a:t>2023/7/19</a:t>
             </a:fld>
             <a:endParaRPr lang="zh-CN" altLang="en-US"/>
           </a:p>
@@ -3465,8 +3470,8 @@
           </a:p>
         </p:txBody>
       </p:sp>
-      <mc:AlternateContent xmlns:mc="http://schemas.openxmlformats.org/markup-compatibility/2006">
-        <mc:Choice xmlns:a14="http://schemas.microsoft.com/office/drawing/2010/main" Requires="a14">
+      <mc:AlternateContent xmlns:mc="http://schemas.openxmlformats.org/markup-compatibility/2006" xmlns:a14="http://schemas.microsoft.com/office/drawing/2010/main">
+        <mc:Choice Requires="a14">
           <p:sp>
             <p:nvSpPr>
               <p:cNvPr id="3" name="内容占位符 2">
@@ -3882,13 +3887,7 @@
                       <a:rPr lang="zh-CN" altLang="en-US" i="1" dirty="0" smtClean="0">
                         <a:latin typeface="Cambria Math" panose="02040503050406030204" pitchFamily="18" charset="0"/>
                       </a:rPr>
-                      <m:t>分组</m:t>
-                    </m:r>
-                    <m:r>
-                      <a:rPr lang="zh-CN" altLang="en-US" i="1" dirty="0" smtClean="0">
-                        <a:latin typeface="Cambria Math" panose="02040503050406030204" pitchFamily="18" charset="0"/>
-                      </a:rPr>
-                      <m:t>卷积</m:t>
+                      <m:t>分组卷积</m:t>
                     </m:r>
                     <m:r>
                       <a:rPr lang="en-US" altLang="zh-CN" b="0" i="1" dirty="0" smtClean="0">
@@ -4152,13 +4151,7 @@
                       <a:rPr lang="zh-CN" altLang="en-US" i="1" dirty="0" smtClean="0">
                         <a:latin typeface="Cambria Math" panose="02040503050406030204" pitchFamily="18" charset="0"/>
                       </a:rPr>
-                      <m:t>逐点</m:t>
-                    </m:r>
-                    <m:r>
-                      <a:rPr lang="zh-CN" altLang="en-US" i="1" dirty="0" smtClean="0">
-                        <a:latin typeface="Cambria Math" panose="02040503050406030204" pitchFamily="18" charset="0"/>
-                      </a:rPr>
-                      <m:t>卷积</m:t>
+                      <m:t>逐点卷积</m:t>
                     </m:r>
                     <m:r>
                       <a:rPr lang="en-US" altLang="zh-CN" b="0" i="1" dirty="0" smtClean="0">
@@ -4500,13 +4493,7 @@
                       <a:rPr lang="en-US" altLang="zh-CN" b="0" i="1" dirty="0" smtClean="0">
                         <a:latin typeface="Cambria Math" panose="02040503050406030204" pitchFamily="18" charset="0"/>
                       </a:rPr>
-                      <m:t>=</m:t>
-                    </m:r>
-                    <m:r>
-                      <a:rPr lang="en-US" altLang="zh-CN" b="0" i="1" dirty="0" smtClean="0">
-                        <a:latin typeface="Cambria Math" panose="02040503050406030204" pitchFamily="18" charset="0"/>
-                      </a:rPr>
-                      <m:t>(</m:t>
+                      <m:t>=(</m:t>
                     </m:r>
                     <m:sSup>
                       <m:sSupPr>
@@ -4613,7 +4600,7 @@
             </p:txBody>
           </p:sp>
         </mc:Choice>
-        <mc:Fallback>
+        <mc:Fallback xmlns="">
           <p:sp>
             <p:nvSpPr>
               <p:cNvPr id="3" name="内容占位符 2">
@@ -4705,7 +4692,7 @@
         </p:blipFill>
         <p:spPr>
           <a:xfrm>
-            <a:off x="1938723" y="495753"/>
+            <a:off x="1920250" y="514226"/>
             <a:ext cx="10469436" cy="3334215"/>
           </a:xfrm>
           <a:prstGeom prst="rect">
@@ -5615,8 +5602,8 @@
           </a:p>
         </p:txBody>
       </p:sp>
-      <mc:AlternateContent xmlns:mc="http://schemas.openxmlformats.org/markup-compatibility/2006">
-        <mc:Choice xmlns:a14="http://schemas.microsoft.com/office/drawing/2010/main" Requires="a14">
+      <mc:AlternateContent xmlns:mc="http://schemas.openxmlformats.org/markup-compatibility/2006" xmlns:a14="http://schemas.microsoft.com/office/drawing/2010/main">
+        <mc:Choice Requires="a14">
           <p:sp>
             <p:nvSpPr>
               <p:cNvPr id="3" name="内容占位符 2">
@@ -5991,7 +5978,7 @@
             </p:txBody>
           </p:sp>
         </mc:Choice>
-        <mc:Fallback>
+        <mc:Fallback xmlns="">
           <p:sp>
             <p:nvSpPr>
               <p:cNvPr id="3" name="内容占位符 2">
@@ -6372,7 +6359,7 @@
         </p:nvSpPr>
         <p:spPr>
           <a:xfrm>
-            <a:off x="838200" y="1811986"/>
+            <a:off x="939800" y="1525658"/>
             <a:ext cx="10515600" cy="4351338"/>
           </a:xfrm>
         </p:spPr>
@@ -6424,7 +6411,7 @@
         </p:blipFill>
         <p:spPr bwMode="auto">
           <a:xfrm>
-            <a:off x="1605064" y="1230478"/>
+            <a:off x="2584119" y="1690688"/>
             <a:ext cx="7484343" cy="5171001"/>
           </a:xfrm>
           <a:prstGeom prst="rect">
@@ -6568,8 +6555,8 @@
         </p:blipFill>
         <p:spPr bwMode="auto">
           <a:xfrm>
-            <a:off x="2471415" y="3144668"/>
-            <a:ext cx="7608669" cy="2477919"/>
+            <a:off x="2471415" y="3144669"/>
+            <a:ext cx="3624585" cy="1180420"/>
           </a:xfrm>
           <a:prstGeom prst="rect">
             <a:avLst/>
@@ -6686,10 +6673,10 @@
       </p:sp>
       <p:pic>
         <p:nvPicPr>
-          <p:cNvPr id="4098" name="Picture 2">
-            <a:extLst>
-              <a:ext uri="{FF2B5EF4-FFF2-40B4-BE49-F238E27FC236}">
-                <a16:creationId xmlns:a16="http://schemas.microsoft.com/office/drawing/2014/main" id="{9D947421-E266-8C02-BF53-48584B7C229A}"/>
+          <p:cNvPr id="1026" name="Picture 2">
+            <a:extLst>
+              <a:ext uri="{FF2B5EF4-FFF2-40B4-BE49-F238E27FC236}">
+                <a16:creationId xmlns:a16="http://schemas.microsoft.com/office/drawing/2014/main" id="{8475C1F3-79C5-E656-26A4-6341EA7E7E03}"/>
               </a:ext>
             </a:extLst>
           </p:cNvPr>
@@ -6713,8 +6700,8 @@
         </p:blipFill>
         <p:spPr bwMode="auto">
           <a:xfrm>
-            <a:off x="3144770" y="3340234"/>
-            <a:ext cx="5591175" cy="2628900"/>
+            <a:off x="3314700" y="3429000"/>
+            <a:ext cx="5314950" cy="2628900"/>
           </a:xfrm>
           <a:prstGeom prst="rect">
             <a:avLst/>
